--- a/presentations/weekly_meetings/3_22_24.pptx
+++ b/presentations/weekly_meetings/3_22_24.pptx
@@ -216,7 +216,7 @@
           <a:p>
             <a:fld id="{E933A773-0DCE-3544-BB67-D5FA58DF903C}" type="datetimeFigureOut">
               <a:rPr lang="en-US" smtClean="0"/>
-              <a:t>3/21/24</a:t>
+              <a:t>3/22/24</a:t>
             </a:fld>
             <a:endParaRPr lang="en-US"/>
           </a:p>
@@ -1733,7 +1733,7 @@
           <a:p>
             <a:fld id="{80FC6068-BAFB-FC44-B9D8-F4B3BB105DE6}" type="datetimeFigureOut">
               <a:rPr lang="en-US" smtClean="0"/>
-              <a:t>3/21/24</a:t>
+              <a:t>3/22/24</a:t>
             </a:fld>
             <a:endParaRPr lang="en-US"/>
           </a:p>
@@ -1931,7 +1931,7 @@
           <a:p>
             <a:fld id="{80FC6068-BAFB-FC44-B9D8-F4B3BB105DE6}" type="datetimeFigureOut">
               <a:rPr lang="en-US" smtClean="0"/>
-              <a:t>3/21/24</a:t>
+              <a:t>3/22/24</a:t>
             </a:fld>
             <a:endParaRPr lang="en-US"/>
           </a:p>
@@ -2139,7 +2139,7 @@
           <a:p>
             <a:fld id="{80FC6068-BAFB-FC44-B9D8-F4B3BB105DE6}" type="datetimeFigureOut">
               <a:rPr lang="en-US" smtClean="0"/>
-              <a:t>3/21/24</a:t>
+              <a:t>3/22/24</a:t>
             </a:fld>
             <a:endParaRPr lang="en-US"/>
           </a:p>
@@ -2343,7 +2343,7 @@
           <a:p>
             <a:fld id="{80FC6068-BAFB-FC44-B9D8-F4B3BB105DE6}" type="datetimeFigureOut">
               <a:rPr lang="en-US" smtClean="0"/>
-              <a:t>3/21/24</a:t>
+              <a:t>3/22/24</a:t>
             </a:fld>
             <a:endParaRPr lang="en-US"/>
           </a:p>
@@ -2634,7 +2634,7 @@
           <a:p>
             <a:fld id="{80FC6068-BAFB-FC44-B9D8-F4B3BB105DE6}" type="datetimeFigureOut">
               <a:rPr lang="en-US" smtClean="0"/>
-              <a:t>3/21/24</a:t>
+              <a:t>3/22/24</a:t>
             </a:fld>
             <a:endParaRPr lang="en-US"/>
           </a:p>
@@ -2899,7 +2899,7 @@
           <a:p>
             <a:fld id="{80FC6068-BAFB-FC44-B9D8-F4B3BB105DE6}" type="datetimeFigureOut">
               <a:rPr lang="en-US" smtClean="0"/>
-              <a:t>3/21/24</a:t>
+              <a:t>3/22/24</a:t>
             </a:fld>
             <a:endParaRPr lang="en-US"/>
           </a:p>
@@ -3311,7 +3311,7 @@
           <a:p>
             <a:fld id="{80FC6068-BAFB-FC44-B9D8-F4B3BB105DE6}" type="datetimeFigureOut">
               <a:rPr lang="en-US" smtClean="0"/>
-              <a:t>3/21/24</a:t>
+              <a:t>3/22/24</a:t>
             </a:fld>
             <a:endParaRPr lang="en-US"/>
           </a:p>
@@ -3452,7 +3452,7 @@
           <a:p>
             <a:fld id="{80FC6068-BAFB-FC44-B9D8-F4B3BB105DE6}" type="datetimeFigureOut">
               <a:rPr lang="en-US" smtClean="0"/>
-              <a:t>3/21/24</a:t>
+              <a:t>3/22/24</a:t>
             </a:fld>
             <a:endParaRPr lang="en-US"/>
           </a:p>
@@ -3565,7 +3565,7 @@
           <a:p>
             <a:fld id="{80FC6068-BAFB-FC44-B9D8-F4B3BB105DE6}" type="datetimeFigureOut">
               <a:rPr lang="en-US" smtClean="0"/>
-              <a:t>3/21/24</a:t>
+              <a:t>3/22/24</a:t>
             </a:fld>
             <a:endParaRPr lang="en-US"/>
           </a:p>
@@ -3876,7 +3876,7 @@
           <a:p>
             <a:fld id="{80FC6068-BAFB-FC44-B9D8-F4B3BB105DE6}" type="datetimeFigureOut">
               <a:rPr lang="en-US" smtClean="0"/>
-              <a:t>3/21/24</a:t>
+              <a:t>3/22/24</a:t>
             </a:fld>
             <a:endParaRPr lang="en-US"/>
           </a:p>
@@ -4164,7 +4164,7 @@
           <a:p>
             <a:fld id="{80FC6068-BAFB-FC44-B9D8-F4B3BB105DE6}" type="datetimeFigureOut">
               <a:rPr lang="en-US" smtClean="0"/>
-              <a:t>3/21/24</a:t>
+              <a:t>3/22/24</a:t>
             </a:fld>
             <a:endParaRPr lang="en-US"/>
           </a:p>
@@ -4405,7 +4405,7 @@
           <a:p>
             <a:fld id="{80FC6068-BAFB-FC44-B9D8-F4B3BB105DE6}" type="datetimeFigureOut">
               <a:rPr lang="en-US" smtClean="0"/>
-              <a:t>3/21/24</a:t>
+              <a:t>3/22/24</a:t>
             </a:fld>
             <a:endParaRPr lang="en-US"/>
           </a:p>

--- a/presentations/weekly_meetings/3_22_24.pptx
+++ b/presentations/weekly_meetings/3_22_24.pptx
@@ -4985,7 +4985,7 @@
           <a:p>
             <a:r>
               <a:rPr lang="en-US" dirty="0"/>
-              <a:t>GSEA analysis for CD4 subsets (up/down in colitis tissue) vs. other CD4s</a:t>
+              <a:t>GSEA analysis for CD4 subsets up/down in colitis tissue vs. other CD4s</a:t>
             </a:r>
           </a:p>
         </p:txBody>
